--- a/img/card/businesscard_original.pptx
+++ b/img/card/businesscard_original.pptx
@@ -202,7 +202,7 @@
           <a:p>
             <a:fld id="{CAEBE9D9-678F-BD4B-8EA4-BDD07F057B8C}" type="datetimeFigureOut">
               <a:rPr kumimoji="1" lang="ja-JP" altLang="en-US" smtClean="0"/>
-              <a:t>2024/2/19</a:t>
+              <a:t>2024/2/24</a:t>
             </a:fld>
             <a:endParaRPr kumimoji="1" lang="ja-JP" altLang="en-US"/>
           </a:p>
@@ -1280,7 +1280,7 @@
           <a:p>
             <a:fld id="{2AE1D30C-6AA1-F444-A085-A136DDB05B7F}" type="datetimeFigureOut">
               <a:rPr kumimoji="1" lang="ja-JP" altLang="en-US" smtClean="0"/>
-              <a:t>2024/2/19</a:t>
+              <a:t>2024/2/24</a:t>
             </a:fld>
             <a:endParaRPr kumimoji="1" lang="ja-JP" altLang="en-US"/>
           </a:p>
@@ -1482,7 +1482,7 @@
           <a:p>
             <a:fld id="{2AE1D30C-6AA1-F444-A085-A136DDB05B7F}" type="datetimeFigureOut">
               <a:rPr kumimoji="1" lang="ja-JP" altLang="en-US" smtClean="0"/>
-              <a:t>2024/2/19</a:t>
+              <a:t>2024/2/24</a:t>
             </a:fld>
             <a:endParaRPr kumimoji="1" lang="ja-JP" altLang="en-US"/>
           </a:p>
@@ -1694,7 +1694,7 @@
           <a:p>
             <a:fld id="{2AE1D30C-6AA1-F444-A085-A136DDB05B7F}" type="datetimeFigureOut">
               <a:rPr kumimoji="1" lang="ja-JP" altLang="en-US" smtClean="0"/>
-              <a:t>2024/2/19</a:t>
+              <a:t>2024/2/24</a:t>
             </a:fld>
             <a:endParaRPr kumimoji="1" lang="ja-JP" altLang="en-US"/>
           </a:p>
@@ -1896,7 +1896,7 @@
           <a:p>
             <a:fld id="{2AE1D30C-6AA1-F444-A085-A136DDB05B7F}" type="datetimeFigureOut">
               <a:rPr kumimoji="1" lang="ja-JP" altLang="en-US" smtClean="0"/>
-              <a:t>2024/2/19</a:t>
+              <a:t>2024/2/24</a:t>
             </a:fld>
             <a:endParaRPr kumimoji="1" lang="ja-JP" altLang="en-US"/>
           </a:p>
@@ -2142,7 +2142,7 @@
           <a:p>
             <a:fld id="{2AE1D30C-6AA1-F444-A085-A136DDB05B7F}" type="datetimeFigureOut">
               <a:rPr kumimoji="1" lang="ja-JP" altLang="en-US" smtClean="0"/>
-              <a:t>2024/2/19</a:t>
+              <a:t>2024/2/24</a:t>
             </a:fld>
             <a:endParaRPr kumimoji="1" lang="ja-JP" altLang="en-US"/>
           </a:p>
@@ -2438,7 +2438,7 @@
           <a:p>
             <a:fld id="{2AE1D30C-6AA1-F444-A085-A136DDB05B7F}" type="datetimeFigureOut">
               <a:rPr kumimoji="1" lang="ja-JP" altLang="en-US" smtClean="0"/>
-              <a:t>2024/2/19</a:t>
+              <a:t>2024/2/24</a:t>
             </a:fld>
             <a:endParaRPr kumimoji="1" lang="ja-JP" altLang="en-US"/>
           </a:p>
@@ -2869,7 +2869,7 @@
           <a:p>
             <a:fld id="{2AE1D30C-6AA1-F444-A085-A136DDB05B7F}" type="datetimeFigureOut">
               <a:rPr kumimoji="1" lang="ja-JP" altLang="en-US" smtClean="0"/>
-              <a:t>2024/2/19</a:t>
+              <a:t>2024/2/24</a:t>
             </a:fld>
             <a:endParaRPr kumimoji="1" lang="ja-JP" altLang="en-US"/>
           </a:p>
@@ -2987,7 +2987,7 @@
           <a:p>
             <a:fld id="{2AE1D30C-6AA1-F444-A085-A136DDB05B7F}" type="datetimeFigureOut">
               <a:rPr kumimoji="1" lang="ja-JP" altLang="en-US" smtClean="0"/>
-              <a:t>2024/2/19</a:t>
+              <a:t>2024/2/24</a:t>
             </a:fld>
             <a:endParaRPr kumimoji="1" lang="ja-JP" altLang="en-US"/>
           </a:p>
@@ -3082,7 +3082,7 @@
           <a:p>
             <a:fld id="{2AE1D30C-6AA1-F444-A085-A136DDB05B7F}" type="datetimeFigureOut">
               <a:rPr kumimoji="1" lang="ja-JP" altLang="en-US" smtClean="0"/>
-              <a:t>2024/2/19</a:t>
+              <a:t>2024/2/24</a:t>
             </a:fld>
             <a:endParaRPr kumimoji="1" lang="ja-JP" altLang="en-US"/>
           </a:p>
@@ -3391,7 +3391,7 @@
           <a:p>
             <a:fld id="{2AE1D30C-6AA1-F444-A085-A136DDB05B7F}" type="datetimeFigureOut">
               <a:rPr kumimoji="1" lang="ja-JP" altLang="en-US" smtClean="0"/>
-              <a:t>2024/2/19</a:t>
+              <a:t>2024/2/24</a:t>
             </a:fld>
             <a:endParaRPr kumimoji="1" lang="ja-JP" altLang="en-US"/>
           </a:p>
@@ -3648,7 +3648,7 @@
           <a:p>
             <a:fld id="{2AE1D30C-6AA1-F444-A085-A136DDB05B7F}" type="datetimeFigureOut">
               <a:rPr kumimoji="1" lang="ja-JP" altLang="en-US" smtClean="0"/>
-              <a:t>2024/2/19</a:t>
+              <a:t>2024/2/24</a:t>
             </a:fld>
             <a:endParaRPr kumimoji="1" lang="ja-JP" altLang="en-US"/>
           </a:p>
@@ -3893,7 +3893,7 @@
           <a:p>
             <a:fld id="{2AE1D30C-6AA1-F444-A085-A136DDB05B7F}" type="datetimeFigureOut">
               <a:rPr kumimoji="1" lang="ja-JP" altLang="en-US" smtClean="0"/>
-              <a:t>2024/2/19</a:t>
+              <a:t>2024/2/24</a:t>
             </a:fld>
             <a:endParaRPr kumimoji="1" lang="ja-JP" altLang="en-US"/>
           </a:p>

--- a/img/card/businesscard_original.pptx
+++ b/img/card/businesscard_original.pptx
@@ -8,9 +8,6 @@
     <p:sldId id="258" r:id="rId2"/>
     <p:sldId id="260" r:id="rId3"/>
     <p:sldId id="259" r:id="rId4"/>
-    <p:sldId id="261" r:id="rId5"/>
-    <p:sldId id="262" r:id="rId6"/>
-    <p:sldId id="263" r:id="rId7"/>
   </p:sldIdLst>
   <p:sldSz cx="3276600" cy="1979613"/>
   <p:notesSz cx="6858000" cy="9144000"/>
@@ -1379,907 +1376,6 @@
     <p:extLst>
       <p:ext uri="{BB962C8B-B14F-4D97-AF65-F5344CB8AC3E}">
         <p14:creationId xmlns:p14="http://schemas.microsoft.com/office/powerpoint/2010/main" val="2202432727"/>
-      </p:ext>
-    </p:extLst>
-  </p:cSld>
-  <p:clrMapOvr>
-    <a:masterClrMapping/>
-  </p:clrMapOvr>
-</p:sld>
-</file>
-
-<file path=ppt/slides/slide4.xml><?xml version="1.0" encoding="utf-8"?>
-<p:sld xmlns:a="http://schemas.openxmlformats.org/drawingml/2006/main" xmlns:r="http://schemas.openxmlformats.org/officeDocument/2006/relationships" xmlns:p="http://schemas.openxmlformats.org/presentationml/2006/main">
-  <p:cSld>
-    <p:spTree>
-      <p:nvGrpSpPr>
-        <p:cNvPr id="1" name=""/>
-        <p:cNvGrpSpPr/>
-        <p:nvPr/>
-      </p:nvGrpSpPr>
-      <p:grpSpPr>
-        <a:xfrm>
-          <a:off x="0" y="0"/>
-          <a:ext cx="0" cy="0"/>
-          <a:chOff x="0" y="0"/>
-          <a:chExt cx="0" cy="0"/>
-        </a:xfrm>
-      </p:grpSpPr>
-      <p:pic>
-        <p:nvPicPr>
-          <p:cNvPr id="4" name="図 3" descr="アイコン&#10;&#10;自動的に生成された説明">
-            <a:extLst>
-              <a:ext uri="{FF2B5EF4-FFF2-40B4-BE49-F238E27FC236}">
-                <a16:creationId xmlns:a16="http://schemas.microsoft.com/office/drawing/2014/main" id="{FFBB8662-DA14-5C17-187A-ACE64991FB87}"/>
-              </a:ext>
-            </a:extLst>
-          </p:cNvPr>
-          <p:cNvPicPr>
-            <a:picLocks noChangeAspect="1"/>
-          </p:cNvPicPr>
-          <p:nvPr/>
-        </p:nvPicPr>
-        <p:blipFill>
-          <a:blip r:embed="rId2">
-            <a:extLst>
-              <a:ext uri="{28A0092B-C50C-407E-A947-70E740481C1C}">
-                <a14:useLocalDpi xmlns:a14="http://schemas.microsoft.com/office/drawing/2010/main" val="0"/>
-              </a:ext>
-            </a:extLst>
-          </a:blip>
-          <a:stretch>
-            <a:fillRect/>
-          </a:stretch>
-        </p:blipFill>
-        <p:spPr>
-          <a:xfrm>
-            <a:off x="2647100" y="233765"/>
-            <a:ext cx="450000" cy="450000"/>
-          </a:xfrm>
-          <a:prstGeom prst="rect">
-            <a:avLst/>
-          </a:prstGeom>
-        </p:spPr>
-      </p:pic>
-      <p:sp>
-        <p:nvSpPr>
-          <p:cNvPr id="9" name="テキスト ボックス 8">
-            <a:extLst>
-              <a:ext uri="{FF2B5EF4-FFF2-40B4-BE49-F238E27FC236}">
-                <a16:creationId xmlns:a16="http://schemas.microsoft.com/office/drawing/2014/main" id="{DC5EAC0A-D78A-25A8-033F-2C79352B58CA}"/>
-              </a:ext>
-            </a:extLst>
-          </p:cNvPr>
-          <p:cNvSpPr txBox="1"/>
-          <p:nvPr/>
-        </p:nvSpPr>
-        <p:spPr>
-          <a:xfrm>
-            <a:off x="179500" y="1201279"/>
-            <a:ext cx="2626350" cy="684803"/>
-          </a:xfrm>
-          <a:prstGeom prst="rect">
-            <a:avLst/>
-          </a:prstGeom>
-          <a:noFill/>
-        </p:spPr>
-        <p:txBody>
-          <a:bodyPr wrap="square" rtlCol="0">
-            <a:spAutoFit/>
-          </a:bodyPr>
-          <a:lstStyle/>
-          <a:p>
-            <a:r>
-              <a:rPr kumimoji="1" lang="ja-JP" altLang="en-US" sz="600">
-                <a:latin typeface="Hiragino Kaku Gothic Pro W3" panose="020B0300000000000000" pitchFamily="34" charset="-128"/>
-                <a:ea typeface="Hiragino Kaku Gothic Pro W3" panose="020B0300000000000000" pitchFamily="34" charset="-128"/>
-              </a:rPr>
-              <a:t>博士学生（情報学）</a:t>
-            </a:r>
-            <a:endParaRPr kumimoji="1" lang="en-US" altLang="ja-JP" sz="600" dirty="0">
-              <a:latin typeface="Hiragino Kaku Gothic Pro W3" panose="020B0300000000000000" pitchFamily="34" charset="-128"/>
-              <a:ea typeface="Hiragino Kaku Gothic Pro W3" panose="020B0300000000000000" pitchFamily="34" charset="-128"/>
-            </a:endParaRPr>
-          </a:p>
-          <a:p>
-            <a:r>
-              <a:rPr kumimoji="1" lang="ja-JP" altLang="en-US" sz="600">
-                <a:latin typeface="Hiragino Kaku Gothic Pro W3" panose="020B0300000000000000" pitchFamily="34" charset="-128"/>
-                <a:ea typeface="Hiragino Kaku Gothic Pro W3" panose="020B0300000000000000" pitchFamily="34" charset="-128"/>
-              </a:rPr>
-              <a:t>静岡大学大学院 自然科学系教育部・認知的コミュニケーション研究室</a:t>
-            </a:r>
-            <a:endParaRPr kumimoji="1" lang="en-US" altLang="ja-JP" sz="600" dirty="0">
-              <a:latin typeface="Hiragino Kaku Gothic Pro W3" panose="020B0300000000000000" pitchFamily="34" charset="-128"/>
-              <a:ea typeface="Hiragino Kaku Gothic Pro W3" panose="020B0300000000000000" pitchFamily="34" charset="-128"/>
-            </a:endParaRPr>
-          </a:p>
-          <a:p>
-            <a:pPr>
-              <a:spcBef>
-                <a:spcPts val="300"/>
-              </a:spcBef>
-            </a:pPr>
-            <a:r>
-              <a:rPr kumimoji="1" lang="ja-JP" altLang="en-US" sz="600">
-                <a:latin typeface="Hiragino Kaku Gothic Pro W3" panose="020B0300000000000000" pitchFamily="34" charset="-128"/>
-                <a:ea typeface="Hiragino Kaku Gothic Pro W3" panose="020B0300000000000000" pitchFamily="34" charset="-128"/>
-              </a:rPr>
-              <a:t>〒</a:t>
-            </a:r>
-            <a:r>
-              <a:rPr kumimoji="1" lang="en-US" altLang="ja-JP" sz="600" dirty="0">
-                <a:latin typeface="Hiragino Kaku Gothic Pro W3" panose="020B0300000000000000" pitchFamily="34" charset="-128"/>
-                <a:ea typeface="Hiragino Kaku Gothic Pro W3" panose="020B0300000000000000" pitchFamily="34" charset="-128"/>
-              </a:rPr>
-              <a:t>432-8011 </a:t>
-            </a:r>
-            <a:r>
-              <a:rPr kumimoji="1" lang="ja-JP" altLang="en-US" sz="600">
-                <a:latin typeface="Hiragino Kaku Gothic Pro W3" panose="020B0300000000000000" pitchFamily="34" charset="-128"/>
-                <a:ea typeface="Hiragino Kaku Gothic Pro W3" panose="020B0300000000000000" pitchFamily="34" charset="-128"/>
-              </a:rPr>
-              <a:t>静岡県浜松市中央区城北</a:t>
-            </a:r>
-            <a:r>
-              <a:rPr kumimoji="1" lang="en-US" altLang="ja-JP" sz="600" dirty="0">
-                <a:latin typeface="Hiragino Kaku Gothic Pro W3" panose="020B0300000000000000" pitchFamily="34" charset="-128"/>
-                <a:ea typeface="Hiragino Kaku Gothic Pro W3" panose="020B0300000000000000" pitchFamily="34" charset="-128"/>
-              </a:rPr>
-              <a:t>3-5-1</a:t>
-            </a:r>
-            <a:br>
-              <a:rPr kumimoji="1" lang="en-US" altLang="ja-JP" sz="600" dirty="0">
-                <a:latin typeface="Hiragino Kaku Gothic Pro W3" panose="020B0300000000000000" pitchFamily="34" charset="-128"/>
-                <a:ea typeface="Hiragino Kaku Gothic Pro W3" panose="020B0300000000000000" pitchFamily="34" charset="-128"/>
-              </a:rPr>
-            </a:br>
-            <a:r>
-              <a:rPr kumimoji="1" lang="en-US" altLang="ja-JP" sz="600" dirty="0">
-                <a:latin typeface="Hiragino Kaku Gothic Pro W3" panose="020B0300000000000000" pitchFamily="34" charset="-128"/>
-                <a:ea typeface="Hiragino Kaku Gothic Pro W3" panose="020B0300000000000000" pitchFamily="34" charset="-128"/>
-              </a:rPr>
-              <a:t>Tel: 080-1590-6189</a:t>
-            </a:r>
-          </a:p>
-          <a:p>
-            <a:r>
-              <a:rPr kumimoji="1" lang="en-US" altLang="ja-JP" sz="600" dirty="0">
-                <a:latin typeface="Hiragino Kaku Gothic Pro W3" panose="020B0300000000000000" pitchFamily="34" charset="-128"/>
-                <a:ea typeface="Hiragino Kaku Gothic Pro W3" panose="020B0300000000000000" pitchFamily="34" charset="-128"/>
-              </a:rPr>
-              <a:t>Mail: ichikawa.masanari.18@shizuoka.ac.jp</a:t>
-            </a:r>
-            <a:br>
-              <a:rPr kumimoji="1" lang="en-US" altLang="ja-JP" sz="600" dirty="0">
-                <a:latin typeface="Hiragino Kaku Gothic Pro W3" panose="020B0300000000000000" pitchFamily="34" charset="-128"/>
-                <a:ea typeface="Hiragino Kaku Gothic Pro W3" panose="020B0300000000000000" pitchFamily="34" charset="-128"/>
-              </a:rPr>
-            </a:br>
-            <a:r>
-              <a:rPr kumimoji="1" lang="en-US" altLang="ja-JP" sz="600" dirty="0">
-                <a:latin typeface="Hiragino Kaku Gothic Pro W3" panose="020B0300000000000000" pitchFamily="34" charset="-128"/>
-                <a:ea typeface="Hiragino Kaku Gothic Pro W3" panose="020B0300000000000000" pitchFamily="34" charset="-128"/>
-              </a:rPr>
-              <a:t>Web: </a:t>
-            </a:r>
-            <a:r>
-              <a:rPr kumimoji="1" lang="en-US" altLang="ja-JP" sz="600" dirty="0" err="1">
-                <a:latin typeface="Hiragino Kaku Gothic Pro W3" panose="020B0300000000000000" pitchFamily="34" charset="-128"/>
-                <a:ea typeface="Hiragino Kaku Gothic Pro W3" panose="020B0300000000000000" pitchFamily="34" charset="-128"/>
-              </a:rPr>
-              <a:t>masanarius.github.io</a:t>
-            </a:r>
-            <a:endParaRPr kumimoji="1" lang="ja-JP" altLang="en-US" sz="600">
-              <a:latin typeface="Hiragino Kaku Gothic Pro W3" panose="020B0300000000000000" pitchFamily="34" charset="-128"/>
-              <a:ea typeface="Hiragino Kaku Gothic Pro W3" panose="020B0300000000000000" pitchFamily="34" charset="-128"/>
-            </a:endParaRPr>
-          </a:p>
-        </p:txBody>
-      </p:sp>
-      <p:sp>
-        <p:nvSpPr>
-          <p:cNvPr id="13" name="テキスト ボックス 12">
-            <a:extLst>
-              <a:ext uri="{FF2B5EF4-FFF2-40B4-BE49-F238E27FC236}">
-                <a16:creationId xmlns:a16="http://schemas.microsoft.com/office/drawing/2014/main" id="{F2A88869-FBB5-3839-85C1-2CBF60D11BCC}"/>
-              </a:ext>
-            </a:extLst>
-          </p:cNvPr>
-          <p:cNvSpPr txBox="1"/>
-          <p:nvPr/>
-        </p:nvSpPr>
-        <p:spPr>
-          <a:xfrm>
-            <a:off x="180600" y="690081"/>
-            <a:ext cx="3096000" cy="477054"/>
-          </a:xfrm>
-          <a:prstGeom prst="rect">
-            <a:avLst/>
-          </a:prstGeom>
-          <a:noFill/>
-        </p:spPr>
-        <p:txBody>
-          <a:bodyPr wrap="square">
-            <a:spAutoFit/>
-          </a:bodyPr>
-          <a:lstStyle/>
-          <a:p>
-            <a:r>
-              <a:rPr kumimoji="1" lang="ja-JP" altLang="en-US" sz="1800">
-                <a:latin typeface="Hiragino Kaku Gothic Pro W3" panose="020B0300000000000000" pitchFamily="34" charset="-128"/>
-                <a:ea typeface="Hiragino Kaku Gothic Pro W3" panose="020B0300000000000000" pitchFamily="34" charset="-128"/>
-              </a:rPr>
-              <a:t>市 川  雅 也</a:t>
-            </a:r>
-            <a:endParaRPr kumimoji="1" lang="en-US" altLang="ja-JP" sz="1800" dirty="0">
-              <a:latin typeface="Hiragino Kaku Gothic Pro W3" panose="020B0300000000000000" pitchFamily="34" charset="-128"/>
-              <a:ea typeface="Hiragino Kaku Gothic Pro W3" panose="020B0300000000000000" pitchFamily="34" charset="-128"/>
-            </a:endParaRPr>
-          </a:p>
-          <a:p>
-            <a:r>
-              <a:rPr kumimoji="1" lang="en-US" altLang="ja-JP" sz="700" dirty="0">
-                <a:latin typeface="Hiragino Kaku Gothic Pro W3" panose="020B0300000000000000" pitchFamily="34" charset="-128"/>
-                <a:ea typeface="Hiragino Kaku Gothic Pro W3" panose="020B0300000000000000" pitchFamily="34" charset="-128"/>
-              </a:rPr>
-              <a:t>Masanari ICHIKAWA</a:t>
-            </a:r>
-          </a:p>
-        </p:txBody>
-      </p:sp>
-      <p:pic>
-        <p:nvPicPr>
-          <p:cNvPr id="14" name="図 13" descr="挿絵 が含まれている画像&#10;&#10;自動的に生成された説明">
-            <a:extLst>
-              <a:ext uri="{FF2B5EF4-FFF2-40B4-BE49-F238E27FC236}">
-                <a16:creationId xmlns:a16="http://schemas.microsoft.com/office/drawing/2014/main" id="{08FE9F8B-F495-783B-2374-89DDA16A6A80}"/>
-              </a:ext>
-            </a:extLst>
-          </p:cNvPr>
-          <p:cNvPicPr>
-            <a:picLocks noChangeAspect="1"/>
-          </p:cNvPicPr>
-          <p:nvPr/>
-        </p:nvPicPr>
-        <p:blipFill>
-          <a:blip r:embed="rId3">
-            <a:extLst>
-              <a:ext uri="{28A0092B-C50C-407E-A947-70E740481C1C}">
-                <a14:useLocalDpi xmlns:a14="http://schemas.microsoft.com/office/drawing/2010/main" val="0"/>
-              </a:ext>
-            </a:extLst>
-          </a:blip>
-          <a:stretch>
-            <a:fillRect/>
-          </a:stretch>
-        </p:blipFill>
-        <p:spPr>
-          <a:xfrm>
-            <a:off x="2324417" y="1690965"/>
-            <a:ext cx="772683" cy="198000"/>
-          </a:xfrm>
-          <a:prstGeom prst="rect">
-            <a:avLst/>
-          </a:prstGeom>
-        </p:spPr>
-      </p:pic>
-      <p:pic>
-        <p:nvPicPr>
-          <p:cNvPr id="6" name="図 5">
-            <a:extLst>
-              <a:ext uri="{FF2B5EF4-FFF2-40B4-BE49-F238E27FC236}">
-                <a16:creationId xmlns:a16="http://schemas.microsoft.com/office/drawing/2014/main" id="{9BEDFDB2-4C33-DE28-DCCF-81CD2B7B0A05}"/>
-              </a:ext>
-            </a:extLst>
-          </p:cNvPr>
-          <p:cNvPicPr>
-            <a:picLocks noChangeAspect="1"/>
-          </p:cNvPicPr>
-          <p:nvPr/>
-        </p:nvPicPr>
-        <p:blipFill>
-          <a:blip r:embed="rId4">
-            <a:extLst>
-              <a:ext uri="{28A0092B-C50C-407E-A947-70E740481C1C}">
-                <a14:useLocalDpi xmlns:a14="http://schemas.microsoft.com/office/drawing/2010/main" val="0"/>
-              </a:ext>
-            </a:extLst>
-          </a:blip>
-          <a:srcRect/>
-          <a:stretch/>
-        </p:blipFill>
-        <p:spPr>
-          <a:xfrm>
-            <a:off x="2647100" y="751279"/>
-            <a:ext cx="450000" cy="450000"/>
-          </a:xfrm>
-          <a:prstGeom prst="rect">
-            <a:avLst/>
-          </a:prstGeom>
-        </p:spPr>
-      </p:pic>
-    </p:spTree>
-    <p:extLst>
-      <p:ext uri="{BB962C8B-B14F-4D97-AF65-F5344CB8AC3E}">
-        <p14:creationId xmlns:p14="http://schemas.microsoft.com/office/powerpoint/2010/main" val="136371854"/>
-      </p:ext>
-    </p:extLst>
-  </p:cSld>
-  <p:clrMapOvr>
-    <a:masterClrMapping/>
-  </p:clrMapOvr>
-</p:sld>
-</file>
-
-<file path=ppt/slides/slide5.xml><?xml version="1.0" encoding="utf-8"?>
-<p:sld xmlns:a="http://schemas.openxmlformats.org/drawingml/2006/main" xmlns:r="http://schemas.openxmlformats.org/officeDocument/2006/relationships" xmlns:p="http://schemas.openxmlformats.org/presentationml/2006/main">
-  <p:cSld>
-    <p:spTree>
-      <p:nvGrpSpPr>
-        <p:cNvPr id="1" name=""/>
-        <p:cNvGrpSpPr/>
-        <p:nvPr/>
-      </p:nvGrpSpPr>
-      <p:grpSpPr>
-        <a:xfrm>
-          <a:off x="0" y="0"/>
-          <a:ext cx="0" cy="0"/>
-          <a:chOff x="0" y="0"/>
-          <a:chExt cx="0" cy="0"/>
-        </a:xfrm>
-      </p:grpSpPr>
-      <p:pic>
-        <p:nvPicPr>
-          <p:cNvPr id="4" name="図 3" descr="アイコン&#10;&#10;自動的に生成された説明">
-            <a:extLst>
-              <a:ext uri="{FF2B5EF4-FFF2-40B4-BE49-F238E27FC236}">
-                <a16:creationId xmlns:a16="http://schemas.microsoft.com/office/drawing/2014/main" id="{FFBB8662-DA14-5C17-187A-ACE64991FB87}"/>
-              </a:ext>
-            </a:extLst>
-          </p:cNvPr>
-          <p:cNvPicPr>
-            <a:picLocks noChangeAspect="1"/>
-          </p:cNvPicPr>
-          <p:nvPr/>
-        </p:nvPicPr>
-        <p:blipFill>
-          <a:blip r:embed="rId2">
-            <a:extLst>
-              <a:ext uri="{28A0092B-C50C-407E-A947-70E740481C1C}">
-                <a14:useLocalDpi xmlns:a14="http://schemas.microsoft.com/office/drawing/2010/main" val="0"/>
-              </a:ext>
-            </a:extLst>
-          </a:blip>
-          <a:stretch>
-            <a:fillRect/>
-          </a:stretch>
-        </p:blipFill>
-        <p:spPr>
-          <a:xfrm>
-            <a:off x="2647100" y="233765"/>
-            <a:ext cx="450000" cy="450000"/>
-          </a:xfrm>
-          <a:prstGeom prst="rect">
-            <a:avLst/>
-          </a:prstGeom>
-        </p:spPr>
-      </p:pic>
-      <p:sp>
-        <p:nvSpPr>
-          <p:cNvPr id="9" name="テキスト ボックス 8">
-            <a:extLst>
-              <a:ext uri="{FF2B5EF4-FFF2-40B4-BE49-F238E27FC236}">
-                <a16:creationId xmlns:a16="http://schemas.microsoft.com/office/drawing/2014/main" id="{DC5EAC0A-D78A-25A8-033F-2C79352B58CA}"/>
-              </a:ext>
-            </a:extLst>
-          </p:cNvPr>
-          <p:cNvSpPr txBox="1"/>
-          <p:nvPr/>
-        </p:nvSpPr>
-        <p:spPr>
-          <a:xfrm>
-            <a:off x="179500" y="1201279"/>
-            <a:ext cx="2626350" cy="684803"/>
-          </a:xfrm>
-          <a:prstGeom prst="rect">
-            <a:avLst/>
-          </a:prstGeom>
-          <a:noFill/>
-        </p:spPr>
-        <p:txBody>
-          <a:bodyPr wrap="square" rtlCol="0">
-            <a:spAutoFit/>
-          </a:bodyPr>
-          <a:lstStyle/>
-          <a:p>
-            <a:r>
-              <a:rPr kumimoji="1" lang="ja-JP" altLang="en-US" sz="600">
-                <a:latin typeface="Hiragino Kaku Gothic Pro W3" panose="020B0300000000000000" pitchFamily="34" charset="-128"/>
-                <a:ea typeface="Hiragino Kaku Gothic Pro W3" panose="020B0300000000000000" pitchFamily="34" charset="-128"/>
-              </a:rPr>
-              <a:t>博士学生（情報学）</a:t>
-            </a:r>
-            <a:endParaRPr kumimoji="1" lang="en-US" altLang="ja-JP" sz="600" dirty="0">
-              <a:latin typeface="Hiragino Kaku Gothic Pro W3" panose="020B0300000000000000" pitchFamily="34" charset="-128"/>
-              <a:ea typeface="Hiragino Kaku Gothic Pro W3" panose="020B0300000000000000" pitchFamily="34" charset="-128"/>
-            </a:endParaRPr>
-          </a:p>
-          <a:p>
-            <a:r>
-              <a:rPr kumimoji="1" lang="ja-JP" altLang="en-US" sz="600">
-                <a:latin typeface="Hiragino Kaku Gothic Pro W3" panose="020B0300000000000000" pitchFamily="34" charset="-128"/>
-                <a:ea typeface="Hiragino Kaku Gothic Pro W3" panose="020B0300000000000000" pitchFamily="34" charset="-128"/>
-              </a:rPr>
-              <a:t>静岡大学大学院 自然科学系教育部・認知的コミュニケーション研究室</a:t>
-            </a:r>
-            <a:endParaRPr kumimoji="1" lang="en-US" altLang="ja-JP" sz="600" dirty="0">
-              <a:latin typeface="Hiragino Kaku Gothic Pro W3" panose="020B0300000000000000" pitchFamily="34" charset="-128"/>
-              <a:ea typeface="Hiragino Kaku Gothic Pro W3" panose="020B0300000000000000" pitchFamily="34" charset="-128"/>
-            </a:endParaRPr>
-          </a:p>
-          <a:p>
-            <a:pPr>
-              <a:spcBef>
-                <a:spcPts val="300"/>
-              </a:spcBef>
-            </a:pPr>
-            <a:r>
-              <a:rPr kumimoji="1" lang="ja-JP" altLang="en-US" sz="600">
-                <a:latin typeface="Hiragino Kaku Gothic Pro W3" panose="020B0300000000000000" pitchFamily="34" charset="-128"/>
-                <a:ea typeface="Hiragino Kaku Gothic Pro W3" panose="020B0300000000000000" pitchFamily="34" charset="-128"/>
-              </a:rPr>
-              <a:t>〒</a:t>
-            </a:r>
-            <a:r>
-              <a:rPr kumimoji="1" lang="en-US" altLang="ja-JP" sz="600" dirty="0">
-                <a:latin typeface="Hiragino Kaku Gothic Pro W3" panose="020B0300000000000000" pitchFamily="34" charset="-128"/>
-                <a:ea typeface="Hiragino Kaku Gothic Pro W3" panose="020B0300000000000000" pitchFamily="34" charset="-128"/>
-              </a:rPr>
-              <a:t>432-8011 </a:t>
-            </a:r>
-            <a:r>
-              <a:rPr kumimoji="1" lang="ja-JP" altLang="en-US" sz="600">
-                <a:latin typeface="Hiragino Kaku Gothic Pro W3" panose="020B0300000000000000" pitchFamily="34" charset="-128"/>
-                <a:ea typeface="Hiragino Kaku Gothic Pro W3" panose="020B0300000000000000" pitchFamily="34" charset="-128"/>
-              </a:rPr>
-              <a:t>静岡県浜松市中央区城北</a:t>
-            </a:r>
-            <a:r>
-              <a:rPr kumimoji="1" lang="en-US" altLang="ja-JP" sz="600" dirty="0">
-                <a:latin typeface="Hiragino Kaku Gothic Pro W3" panose="020B0300000000000000" pitchFamily="34" charset="-128"/>
-                <a:ea typeface="Hiragino Kaku Gothic Pro W3" panose="020B0300000000000000" pitchFamily="34" charset="-128"/>
-              </a:rPr>
-              <a:t>3-5-1</a:t>
-            </a:r>
-            <a:br>
-              <a:rPr kumimoji="1" lang="en-US" altLang="ja-JP" sz="600" dirty="0">
-                <a:latin typeface="Hiragino Kaku Gothic Pro W3" panose="020B0300000000000000" pitchFamily="34" charset="-128"/>
-                <a:ea typeface="Hiragino Kaku Gothic Pro W3" panose="020B0300000000000000" pitchFamily="34" charset="-128"/>
-              </a:rPr>
-            </a:br>
-            <a:r>
-              <a:rPr kumimoji="1" lang="en-US" altLang="ja-JP" sz="600" dirty="0">
-                <a:latin typeface="Hiragino Kaku Gothic Pro W3" panose="020B0300000000000000" pitchFamily="34" charset="-128"/>
-                <a:ea typeface="Hiragino Kaku Gothic Pro W3" panose="020B0300000000000000" pitchFamily="34" charset="-128"/>
-              </a:rPr>
-              <a:t>Tel: 080-1590-6189</a:t>
-            </a:r>
-          </a:p>
-          <a:p>
-            <a:r>
-              <a:rPr kumimoji="1" lang="en-US" altLang="ja-JP" sz="600" dirty="0">
-                <a:latin typeface="Hiragino Kaku Gothic Pro W3" panose="020B0300000000000000" pitchFamily="34" charset="-128"/>
-                <a:ea typeface="Hiragino Kaku Gothic Pro W3" panose="020B0300000000000000" pitchFamily="34" charset="-128"/>
-              </a:rPr>
-              <a:t>Mail: ichikawa.masanari.18@shizuoka.ac.jp</a:t>
-            </a:r>
-            <a:br>
-              <a:rPr kumimoji="1" lang="en-US" altLang="ja-JP" sz="600" dirty="0">
-                <a:latin typeface="Hiragino Kaku Gothic Pro W3" panose="020B0300000000000000" pitchFamily="34" charset="-128"/>
-                <a:ea typeface="Hiragino Kaku Gothic Pro W3" panose="020B0300000000000000" pitchFamily="34" charset="-128"/>
-              </a:rPr>
-            </a:br>
-            <a:r>
-              <a:rPr kumimoji="1" lang="en-US" altLang="ja-JP" sz="600" dirty="0">
-                <a:latin typeface="Hiragino Kaku Gothic Pro W3" panose="020B0300000000000000" pitchFamily="34" charset="-128"/>
-                <a:ea typeface="Hiragino Kaku Gothic Pro W3" panose="020B0300000000000000" pitchFamily="34" charset="-128"/>
-              </a:rPr>
-              <a:t>Web: </a:t>
-            </a:r>
-            <a:r>
-              <a:rPr kumimoji="1" lang="en-US" altLang="ja-JP" sz="600" dirty="0" err="1">
-                <a:latin typeface="Hiragino Kaku Gothic Pro W3" panose="020B0300000000000000" pitchFamily="34" charset="-128"/>
-                <a:ea typeface="Hiragino Kaku Gothic Pro W3" panose="020B0300000000000000" pitchFamily="34" charset="-128"/>
-              </a:rPr>
-              <a:t>masanarius.github.io</a:t>
-            </a:r>
-            <a:endParaRPr kumimoji="1" lang="ja-JP" altLang="en-US" sz="600">
-              <a:latin typeface="Hiragino Kaku Gothic Pro W3" panose="020B0300000000000000" pitchFamily="34" charset="-128"/>
-              <a:ea typeface="Hiragino Kaku Gothic Pro W3" panose="020B0300000000000000" pitchFamily="34" charset="-128"/>
-            </a:endParaRPr>
-          </a:p>
-        </p:txBody>
-      </p:sp>
-      <p:sp>
-        <p:nvSpPr>
-          <p:cNvPr id="13" name="テキスト ボックス 12">
-            <a:extLst>
-              <a:ext uri="{FF2B5EF4-FFF2-40B4-BE49-F238E27FC236}">
-                <a16:creationId xmlns:a16="http://schemas.microsoft.com/office/drawing/2014/main" id="{F2A88869-FBB5-3839-85C1-2CBF60D11BCC}"/>
-              </a:ext>
-            </a:extLst>
-          </p:cNvPr>
-          <p:cNvSpPr txBox="1"/>
-          <p:nvPr/>
-        </p:nvSpPr>
-        <p:spPr>
-          <a:xfrm>
-            <a:off x="180600" y="690081"/>
-            <a:ext cx="3096000" cy="477054"/>
-          </a:xfrm>
-          <a:prstGeom prst="rect">
-            <a:avLst/>
-          </a:prstGeom>
-          <a:noFill/>
-        </p:spPr>
-        <p:txBody>
-          <a:bodyPr wrap="square">
-            <a:spAutoFit/>
-          </a:bodyPr>
-          <a:lstStyle/>
-          <a:p>
-            <a:r>
-              <a:rPr kumimoji="1" lang="ja-JP" altLang="en-US" sz="1800">
-                <a:latin typeface="Hiragino Kaku Gothic Pro W3" panose="020B0300000000000000" pitchFamily="34" charset="-128"/>
-                <a:ea typeface="Hiragino Kaku Gothic Pro W3" panose="020B0300000000000000" pitchFamily="34" charset="-128"/>
-              </a:rPr>
-              <a:t>市 川  雅 也</a:t>
-            </a:r>
-            <a:endParaRPr kumimoji="1" lang="en-US" altLang="ja-JP" sz="1800" dirty="0">
-              <a:latin typeface="Hiragino Kaku Gothic Pro W3" panose="020B0300000000000000" pitchFamily="34" charset="-128"/>
-              <a:ea typeface="Hiragino Kaku Gothic Pro W3" panose="020B0300000000000000" pitchFamily="34" charset="-128"/>
-            </a:endParaRPr>
-          </a:p>
-          <a:p>
-            <a:r>
-              <a:rPr kumimoji="1" lang="en-US" altLang="ja-JP" sz="700" dirty="0">
-                <a:latin typeface="Hiragino Kaku Gothic Pro W3" panose="020B0300000000000000" pitchFamily="34" charset="-128"/>
-                <a:ea typeface="Hiragino Kaku Gothic Pro W3" panose="020B0300000000000000" pitchFamily="34" charset="-128"/>
-              </a:rPr>
-              <a:t>Masanari ICHIKAWA</a:t>
-            </a:r>
-          </a:p>
-        </p:txBody>
-      </p:sp>
-      <p:pic>
-        <p:nvPicPr>
-          <p:cNvPr id="14" name="図 13" descr="挿絵 が含まれている画像&#10;&#10;自動的に生成された説明">
-            <a:extLst>
-              <a:ext uri="{FF2B5EF4-FFF2-40B4-BE49-F238E27FC236}">
-                <a16:creationId xmlns:a16="http://schemas.microsoft.com/office/drawing/2014/main" id="{08FE9F8B-F495-783B-2374-89DDA16A6A80}"/>
-              </a:ext>
-            </a:extLst>
-          </p:cNvPr>
-          <p:cNvPicPr>
-            <a:picLocks noChangeAspect="1"/>
-          </p:cNvPicPr>
-          <p:nvPr/>
-        </p:nvPicPr>
-        <p:blipFill>
-          <a:blip r:embed="rId3">
-            <a:extLst>
-              <a:ext uri="{28A0092B-C50C-407E-A947-70E740481C1C}">
-                <a14:useLocalDpi xmlns:a14="http://schemas.microsoft.com/office/drawing/2010/main" val="0"/>
-              </a:ext>
-            </a:extLst>
-          </a:blip>
-          <a:stretch>
-            <a:fillRect/>
-          </a:stretch>
-        </p:blipFill>
-        <p:spPr>
-          <a:xfrm>
-            <a:off x="2324417" y="1690965"/>
-            <a:ext cx="772683" cy="198000"/>
-          </a:xfrm>
-          <a:prstGeom prst="rect">
-            <a:avLst/>
-          </a:prstGeom>
-        </p:spPr>
-      </p:pic>
-    </p:spTree>
-    <p:extLst>
-      <p:ext uri="{BB962C8B-B14F-4D97-AF65-F5344CB8AC3E}">
-        <p14:creationId xmlns:p14="http://schemas.microsoft.com/office/powerpoint/2010/main" val="2704703007"/>
-      </p:ext>
-    </p:extLst>
-  </p:cSld>
-  <p:clrMapOvr>
-    <a:masterClrMapping/>
-  </p:clrMapOvr>
-</p:sld>
-</file>
-
-<file path=ppt/slides/slide6.xml><?xml version="1.0" encoding="utf-8"?>
-<p:sld xmlns:a="http://schemas.openxmlformats.org/drawingml/2006/main" xmlns:r="http://schemas.openxmlformats.org/officeDocument/2006/relationships" xmlns:p="http://schemas.openxmlformats.org/presentationml/2006/main">
-  <p:cSld>
-    <p:spTree>
-      <p:nvGrpSpPr>
-        <p:cNvPr id="1" name=""/>
-        <p:cNvGrpSpPr/>
-        <p:nvPr/>
-      </p:nvGrpSpPr>
-      <p:grpSpPr>
-        <a:xfrm>
-          <a:off x="0" y="0"/>
-          <a:ext cx="0" cy="0"/>
-          <a:chOff x="0" y="0"/>
-          <a:chExt cx="0" cy="0"/>
-        </a:xfrm>
-      </p:grpSpPr>
-      <p:sp>
-        <p:nvSpPr>
-          <p:cNvPr id="9" name="テキスト ボックス 8">
-            <a:extLst>
-              <a:ext uri="{FF2B5EF4-FFF2-40B4-BE49-F238E27FC236}">
-                <a16:creationId xmlns:a16="http://schemas.microsoft.com/office/drawing/2014/main" id="{DC5EAC0A-D78A-25A8-033F-2C79352B58CA}"/>
-              </a:ext>
-            </a:extLst>
-          </p:cNvPr>
-          <p:cNvSpPr txBox="1"/>
-          <p:nvPr/>
-        </p:nvSpPr>
-        <p:spPr>
-          <a:xfrm>
-            <a:off x="180600" y="1204162"/>
-            <a:ext cx="3096000" cy="684803"/>
-          </a:xfrm>
-          <a:prstGeom prst="rect">
-            <a:avLst/>
-          </a:prstGeom>
-          <a:noFill/>
-        </p:spPr>
-        <p:txBody>
-          <a:bodyPr wrap="square" rtlCol="0">
-            <a:spAutoFit/>
-          </a:bodyPr>
-          <a:lstStyle/>
-          <a:p>
-            <a:r>
-              <a:rPr kumimoji="1" lang="en-US" altLang="ja-JP" sz="600" dirty="0">
-                <a:latin typeface="Hiragino Kaku Gothic Pro W3" panose="020B0300000000000000" pitchFamily="34" charset="-128"/>
-                <a:ea typeface="Hiragino Kaku Gothic Pro W3" panose="020B0300000000000000" pitchFamily="34" charset="-128"/>
-              </a:rPr>
-              <a:t>Ph.D. Student in Informatics</a:t>
-            </a:r>
-          </a:p>
-          <a:p>
-            <a:r>
-              <a:rPr kumimoji="1" lang="en-US" altLang="ja-JP" sz="600" dirty="0">
-                <a:latin typeface="Hiragino Kaku Gothic Pro W3" panose="020B0300000000000000" pitchFamily="34" charset="-128"/>
-                <a:ea typeface="Hiragino Kaku Gothic Pro W3" panose="020B0300000000000000" pitchFamily="34" charset="-128"/>
-              </a:rPr>
-              <a:t>Graduate School of Science and Technology, Shizuoka University</a:t>
-            </a:r>
-          </a:p>
-          <a:p>
-            <a:pPr>
-              <a:spcBef>
-                <a:spcPts val="300"/>
-              </a:spcBef>
-            </a:pPr>
-            <a:r>
-              <a:rPr kumimoji="1" lang="en-US" altLang="ja-JP" sz="600" dirty="0">
-                <a:latin typeface="Hiragino Kaku Gothic Pro W3" panose="020B0300000000000000" pitchFamily="34" charset="-128"/>
-                <a:ea typeface="Hiragino Kaku Gothic Pro W3" panose="020B0300000000000000" pitchFamily="34" charset="-128"/>
-              </a:rPr>
-              <a:t>3-5-1 </a:t>
-            </a:r>
-            <a:r>
-              <a:rPr kumimoji="1" lang="en-US" altLang="ja-JP" sz="600" dirty="0" err="1">
-                <a:latin typeface="Hiragino Kaku Gothic Pro W3" panose="020B0300000000000000" pitchFamily="34" charset="-128"/>
-                <a:ea typeface="Hiragino Kaku Gothic Pro W3" panose="020B0300000000000000" pitchFamily="34" charset="-128"/>
-              </a:rPr>
-              <a:t>Johoku</a:t>
-            </a:r>
-            <a:r>
-              <a:rPr kumimoji="1" lang="en-US" altLang="ja-JP" sz="600" dirty="0">
-                <a:latin typeface="Hiragino Kaku Gothic Pro W3" panose="020B0300000000000000" pitchFamily="34" charset="-128"/>
-                <a:ea typeface="Hiragino Kaku Gothic Pro W3" panose="020B0300000000000000" pitchFamily="34" charset="-128"/>
-              </a:rPr>
-              <a:t>, Chuo-</a:t>
-            </a:r>
-            <a:r>
-              <a:rPr kumimoji="1" lang="en-US" altLang="ja-JP" sz="600" dirty="0" err="1">
-                <a:latin typeface="Hiragino Kaku Gothic Pro W3" panose="020B0300000000000000" pitchFamily="34" charset="-128"/>
-                <a:ea typeface="Hiragino Kaku Gothic Pro W3" panose="020B0300000000000000" pitchFamily="34" charset="-128"/>
-              </a:rPr>
-              <a:t>ku</a:t>
-            </a:r>
-            <a:r>
-              <a:rPr kumimoji="1" lang="en-US" altLang="ja-JP" sz="600" dirty="0">
-                <a:latin typeface="Hiragino Kaku Gothic Pro W3" panose="020B0300000000000000" pitchFamily="34" charset="-128"/>
-                <a:ea typeface="Hiragino Kaku Gothic Pro W3" panose="020B0300000000000000" pitchFamily="34" charset="-128"/>
-              </a:rPr>
-              <a:t>, Hamamatsu, Shizuoka, 4328011 Japan</a:t>
-            </a:r>
-            <a:br>
-              <a:rPr kumimoji="1" lang="en-US" altLang="ja-JP" sz="600" dirty="0">
-                <a:latin typeface="Hiragino Kaku Gothic Pro W3" panose="020B0300000000000000" pitchFamily="34" charset="-128"/>
-                <a:ea typeface="Hiragino Kaku Gothic Pro W3" panose="020B0300000000000000" pitchFamily="34" charset="-128"/>
-              </a:rPr>
-            </a:br>
-            <a:r>
-              <a:rPr kumimoji="1" lang="en-US" altLang="ja-JP" sz="600" dirty="0">
-                <a:latin typeface="Hiragino Kaku Gothic Pro W3" panose="020B0300000000000000" pitchFamily="34" charset="-128"/>
-                <a:ea typeface="Hiragino Kaku Gothic Pro W3" panose="020B0300000000000000" pitchFamily="34" charset="-128"/>
-              </a:rPr>
-              <a:t>Tel: +81-80-1590-6189</a:t>
-            </a:r>
-          </a:p>
-          <a:p>
-            <a:r>
-              <a:rPr kumimoji="1" lang="en-US" altLang="ja-JP" sz="600" dirty="0">
-                <a:latin typeface="Hiragino Kaku Gothic Pro W3" panose="020B0300000000000000" pitchFamily="34" charset="-128"/>
-                <a:ea typeface="Hiragino Kaku Gothic Pro W3" panose="020B0300000000000000" pitchFamily="34" charset="-128"/>
-              </a:rPr>
-              <a:t>Mail: ichikawa.masanari.18@shizuoka.ac.jp</a:t>
-            </a:r>
-            <a:br>
-              <a:rPr kumimoji="1" lang="en-US" altLang="ja-JP" sz="600" dirty="0">
-                <a:latin typeface="Hiragino Kaku Gothic Pro W3" panose="020B0300000000000000" pitchFamily="34" charset="-128"/>
-                <a:ea typeface="Hiragino Kaku Gothic Pro W3" panose="020B0300000000000000" pitchFamily="34" charset="-128"/>
-              </a:rPr>
-            </a:br>
-            <a:r>
-              <a:rPr kumimoji="1" lang="en-US" altLang="ja-JP" sz="600" dirty="0">
-                <a:latin typeface="Hiragino Kaku Gothic Pro W3" panose="020B0300000000000000" pitchFamily="34" charset="-128"/>
-                <a:ea typeface="Hiragino Kaku Gothic Pro W3" panose="020B0300000000000000" pitchFamily="34" charset="-128"/>
-              </a:rPr>
-              <a:t>Web: </a:t>
-            </a:r>
-            <a:r>
-              <a:rPr kumimoji="1" lang="en-US" altLang="ja-JP" sz="600" dirty="0" err="1">
-                <a:latin typeface="Hiragino Kaku Gothic Pro W3" panose="020B0300000000000000" pitchFamily="34" charset="-128"/>
-                <a:ea typeface="Hiragino Kaku Gothic Pro W3" panose="020B0300000000000000" pitchFamily="34" charset="-128"/>
-              </a:rPr>
-              <a:t>masanarius.github.io</a:t>
-            </a:r>
-            <a:endParaRPr kumimoji="1" lang="ja-JP" altLang="en-US" sz="600">
-              <a:latin typeface="Hiragino Kaku Gothic Pro W3" panose="020B0300000000000000" pitchFamily="34" charset="-128"/>
-              <a:ea typeface="Hiragino Kaku Gothic Pro W3" panose="020B0300000000000000" pitchFamily="34" charset="-128"/>
-            </a:endParaRPr>
-          </a:p>
-        </p:txBody>
-      </p:sp>
-      <p:pic>
-        <p:nvPicPr>
-          <p:cNvPr id="14" name="図 13" descr="挿絵 が含まれている画像&#10;&#10;自動的に生成された説明">
-            <a:extLst>
-              <a:ext uri="{FF2B5EF4-FFF2-40B4-BE49-F238E27FC236}">
-                <a16:creationId xmlns:a16="http://schemas.microsoft.com/office/drawing/2014/main" id="{08FE9F8B-F495-783B-2374-89DDA16A6A80}"/>
-              </a:ext>
-            </a:extLst>
-          </p:cNvPr>
-          <p:cNvPicPr>
-            <a:picLocks noChangeAspect="1"/>
-          </p:cNvPicPr>
-          <p:nvPr/>
-        </p:nvPicPr>
-        <p:blipFill>
-          <a:blip r:embed="rId2">
-            <a:extLst>
-              <a:ext uri="{28A0092B-C50C-407E-A947-70E740481C1C}">
-                <a14:useLocalDpi xmlns:a14="http://schemas.microsoft.com/office/drawing/2010/main" val="0"/>
-              </a:ext>
-            </a:extLst>
-          </a:blip>
-          <a:stretch>
-            <a:fillRect/>
-          </a:stretch>
-        </p:blipFill>
-        <p:spPr>
-          <a:xfrm>
-            <a:off x="2324417" y="1690965"/>
-            <a:ext cx="772683" cy="198000"/>
-          </a:xfrm>
-          <a:prstGeom prst="rect">
-            <a:avLst/>
-          </a:prstGeom>
-        </p:spPr>
-      </p:pic>
-      <p:pic>
-        <p:nvPicPr>
-          <p:cNvPr id="3" name="図 2" descr="アイコン&#10;&#10;自動的に生成された説明">
-            <a:extLst>
-              <a:ext uri="{FF2B5EF4-FFF2-40B4-BE49-F238E27FC236}">
-                <a16:creationId xmlns:a16="http://schemas.microsoft.com/office/drawing/2014/main" id="{5565E1EF-D223-64BF-7B24-DC970D2AC283}"/>
-              </a:ext>
-            </a:extLst>
-          </p:cNvPr>
-          <p:cNvPicPr>
-            <a:picLocks noChangeAspect="1"/>
-          </p:cNvPicPr>
-          <p:nvPr/>
-        </p:nvPicPr>
-        <p:blipFill>
-          <a:blip r:embed="rId3">
-            <a:extLst>
-              <a:ext uri="{28A0092B-C50C-407E-A947-70E740481C1C}">
-                <a14:useLocalDpi xmlns:a14="http://schemas.microsoft.com/office/drawing/2010/main" val="0"/>
-              </a:ext>
-            </a:extLst>
-          </a:blip>
-          <a:stretch>
-            <a:fillRect/>
-          </a:stretch>
-        </p:blipFill>
-        <p:spPr>
-          <a:xfrm>
-            <a:off x="2647100" y="233765"/>
-            <a:ext cx="450000" cy="450000"/>
-          </a:xfrm>
-          <a:prstGeom prst="rect">
-            <a:avLst/>
-          </a:prstGeom>
-        </p:spPr>
-      </p:pic>
-      <p:sp>
-        <p:nvSpPr>
-          <p:cNvPr id="2" name="テキスト ボックス 1">
-            <a:extLst>
-              <a:ext uri="{FF2B5EF4-FFF2-40B4-BE49-F238E27FC236}">
-                <a16:creationId xmlns:a16="http://schemas.microsoft.com/office/drawing/2014/main" id="{E9D9B505-8706-BC3D-D5FC-BAE5CB0AFD09}"/>
-              </a:ext>
-            </a:extLst>
-          </p:cNvPr>
-          <p:cNvSpPr txBox="1"/>
-          <p:nvPr/>
-        </p:nvSpPr>
-        <p:spPr>
-          <a:xfrm>
-            <a:off x="180600" y="690081"/>
-            <a:ext cx="3096000" cy="477054"/>
-          </a:xfrm>
-          <a:prstGeom prst="rect">
-            <a:avLst/>
-          </a:prstGeom>
-          <a:noFill/>
-        </p:spPr>
-        <p:txBody>
-          <a:bodyPr wrap="square">
-            <a:spAutoFit/>
-          </a:bodyPr>
-          <a:lstStyle/>
-          <a:p>
-            <a:r>
-              <a:rPr kumimoji="1" lang="ja-JP" altLang="en-US" sz="1800">
-                <a:latin typeface="Hiragino Kaku Gothic Pro W3" panose="020B0300000000000000" pitchFamily="34" charset="-128"/>
-                <a:ea typeface="Hiragino Kaku Gothic Pro W3" panose="020B0300000000000000" pitchFamily="34" charset="-128"/>
-              </a:rPr>
-              <a:t>市 川  雅 也</a:t>
-            </a:r>
-            <a:endParaRPr kumimoji="1" lang="en-US" altLang="ja-JP" sz="1800" dirty="0">
-              <a:latin typeface="Hiragino Kaku Gothic Pro W3" panose="020B0300000000000000" pitchFamily="34" charset="-128"/>
-              <a:ea typeface="Hiragino Kaku Gothic Pro W3" panose="020B0300000000000000" pitchFamily="34" charset="-128"/>
-            </a:endParaRPr>
-          </a:p>
-          <a:p>
-            <a:r>
-              <a:rPr kumimoji="1" lang="en-US" altLang="ja-JP" sz="700" dirty="0">
-                <a:latin typeface="Hiragino Kaku Gothic Pro W3" panose="020B0300000000000000" pitchFamily="34" charset="-128"/>
-                <a:ea typeface="Hiragino Kaku Gothic Pro W3" panose="020B0300000000000000" pitchFamily="34" charset="-128"/>
-              </a:rPr>
-              <a:t>Masanari ICHIKAWA</a:t>
-            </a:r>
-          </a:p>
-        </p:txBody>
-      </p:sp>
-    </p:spTree>
-    <p:extLst>
-      <p:ext uri="{BB962C8B-B14F-4D97-AF65-F5344CB8AC3E}">
-        <p14:creationId xmlns:p14="http://schemas.microsoft.com/office/powerpoint/2010/main" val="19728697"/>
       </p:ext>
     </p:extLst>
   </p:cSld>

--- a/img/card/businesscard_original.pptx
+++ b/img/card/businesscard_original.pptx
@@ -589,8 +589,8 @@
         </p:nvSpPr>
         <p:spPr>
           <a:xfrm>
-            <a:off x="179500" y="1296495"/>
-            <a:ext cx="2626350" cy="592470"/>
+            <a:off x="179499" y="1296495"/>
+            <a:ext cx="3095999" cy="684803"/>
           </a:xfrm>
           <a:prstGeom prst="rect">
             <a:avLst/>
@@ -621,7 +621,20 @@
                 <a:latin typeface="Hiragino Kaku Gothic Pro W3" panose="020B0300000000000000" pitchFamily="34" charset="-128"/>
                 <a:ea typeface="Hiragino Kaku Gothic Pro W3" panose="020B0300000000000000" pitchFamily="34" charset="-128"/>
               </a:rPr>
-              <a:t>静岡大学大学院 自然科学系教育部・認知的コミュニケーション研究室</a:t>
+              <a:t>静岡大学 創造科学技術大学院 自然科学系教育部</a:t>
+            </a:r>
+            <a:br>
+              <a:rPr kumimoji="1" lang="en-US" altLang="ja-JP" sz="600" dirty="0">
+                <a:latin typeface="Hiragino Kaku Gothic Pro W3" panose="020B0300000000000000" pitchFamily="34" charset="-128"/>
+                <a:ea typeface="Hiragino Kaku Gothic Pro W3" panose="020B0300000000000000" pitchFamily="34" charset="-128"/>
+              </a:rPr>
+            </a:br>
+            <a:r>
+              <a:rPr kumimoji="1" lang="ja-JP" altLang="en-US" sz="600">
+                <a:latin typeface="Hiragino Kaku Gothic Pro W3" panose="020B0300000000000000" pitchFamily="34" charset="-128"/>
+                <a:ea typeface="Hiragino Kaku Gothic Pro W3" panose="020B0300000000000000" pitchFamily="34" charset="-128"/>
+              </a:rPr>
+              <a:t>認知的コミュニケーション研究室</a:t>
             </a:r>
             <a:endParaRPr kumimoji="1" lang="en-US" altLang="ja-JP" sz="600" dirty="0">
               <a:latin typeface="Hiragino Kaku Gothic Pro W3" panose="020B0300000000000000" pitchFamily="34" charset="-128"/>
@@ -853,10 +866,10 @@
       </p:grpSpPr>
       <p:pic>
         <p:nvPicPr>
-          <p:cNvPr id="4" name="図 3" descr="アイコン&#10;&#10;自動的に生成された説明">
+          <p:cNvPr id="2" name="図 1" descr="アイコン&#10;&#10;自動的に生成された説明">
             <a:extLst>
               <a:ext uri="{FF2B5EF4-FFF2-40B4-BE49-F238E27FC236}">
-                <a16:creationId xmlns:a16="http://schemas.microsoft.com/office/drawing/2014/main" id="{FFBB8662-DA14-5C17-187A-ACE64991FB87}"/>
+                <a16:creationId xmlns:a16="http://schemas.microsoft.com/office/drawing/2014/main" id="{194E3FBC-717C-B1CB-CD59-A6C6CC908631}"/>
               </a:ext>
             </a:extLst>
           </p:cNvPr>
@@ -889,10 +902,10 @@
       </p:pic>
       <p:sp>
         <p:nvSpPr>
-          <p:cNvPr id="9" name="テキスト ボックス 8">
+          <p:cNvPr id="3" name="テキスト ボックス 2">
             <a:extLst>
               <a:ext uri="{FF2B5EF4-FFF2-40B4-BE49-F238E27FC236}">
-                <a16:creationId xmlns:a16="http://schemas.microsoft.com/office/drawing/2014/main" id="{DC5EAC0A-D78A-25A8-033F-2C79352B58CA}"/>
+                <a16:creationId xmlns:a16="http://schemas.microsoft.com/office/drawing/2014/main" id="{CA2B57E6-32EA-B96A-330F-EE0E8B9F7ECA}"/>
               </a:ext>
             </a:extLst>
           </p:cNvPr>
@@ -901,8 +914,8 @@
         </p:nvSpPr>
         <p:spPr>
           <a:xfrm>
-            <a:off x="179500" y="1296495"/>
-            <a:ext cx="2626350" cy="592470"/>
+            <a:off x="179499" y="1296495"/>
+            <a:ext cx="3095999" cy="684803"/>
           </a:xfrm>
           <a:prstGeom prst="rect">
             <a:avLst/>
@@ -933,7 +946,20 @@
                 <a:latin typeface="Hiragino Kaku Gothic Pro W3" panose="020B0300000000000000" pitchFamily="34" charset="-128"/>
                 <a:ea typeface="Hiragino Kaku Gothic Pro W3" panose="020B0300000000000000" pitchFamily="34" charset="-128"/>
               </a:rPr>
-              <a:t>静岡大学大学院 自然科学系教育部・認知的コミュニケーション研究室</a:t>
+              <a:t>静岡大学 創造科学技術大学院 自然科学系教育部</a:t>
+            </a:r>
+            <a:br>
+              <a:rPr kumimoji="1" lang="en-US" altLang="ja-JP" sz="600" dirty="0">
+                <a:latin typeface="Hiragino Kaku Gothic Pro W3" panose="020B0300000000000000" pitchFamily="34" charset="-128"/>
+                <a:ea typeface="Hiragino Kaku Gothic Pro W3" panose="020B0300000000000000" pitchFamily="34" charset="-128"/>
+              </a:rPr>
+            </a:br>
+            <a:r>
+              <a:rPr kumimoji="1" lang="ja-JP" altLang="en-US" sz="600">
+                <a:latin typeface="Hiragino Kaku Gothic Pro W3" panose="020B0300000000000000" pitchFamily="34" charset="-128"/>
+                <a:ea typeface="Hiragino Kaku Gothic Pro W3" panose="020B0300000000000000" pitchFamily="34" charset="-128"/>
+              </a:rPr>
+              <a:t>認知的コミュニケーション研究室</a:t>
             </a:r>
             <a:endParaRPr kumimoji="1" lang="en-US" altLang="ja-JP" sz="600" dirty="0">
               <a:latin typeface="Hiragino Kaku Gothic Pro W3" panose="020B0300000000000000" pitchFamily="34" charset="-128"/>
@@ -1012,10 +1038,10 @@
       </p:sp>
       <p:sp>
         <p:nvSpPr>
-          <p:cNvPr id="13" name="テキスト ボックス 12">
+          <p:cNvPr id="5" name="テキスト ボックス 4">
             <a:extLst>
               <a:ext uri="{FF2B5EF4-FFF2-40B4-BE49-F238E27FC236}">
-                <a16:creationId xmlns:a16="http://schemas.microsoft.com/office/drawing/2014/main" id="{F2A88869-FBB5-3839-85C1-2CBF60D11BCC}"/>
+                <a16:creationId xmlns:a16="http://schemas.microsoft.com/office/drawing/2014/main" id="{D8977B39-AAFE-CD48-43AF-2B01BE92B395}"/>
               </a:ext>
             </a:extLst>
           </p:cNvPr>
@@ -1063,10 +1089,10 @@
       </p:sp>
       <p:pic>
         <p:nvPicPr>
-          <p:cNvPr id="14" name="図 13" descr="挿絵 が含まれている画像&#10;&#10;自動的に生成された説明">
+          <p:cNvPr id="6" name="図 5" descr="挿絵 が含まれている画像&#10;&#10;自動的に生成された説明">
             <a:extLst>
               <a:ext uri="{FF2B5EF4-FFF2-40B4-BE49-F238E27FC236}">
-                <a16:creationId xmlns:a16="http://schemas.microsoft.com/office/drawing/2014/main" id="{08FE9F8B-F495-783B-2374-89DDA16A6A80}"/>
+                <a16:creationId xmlns:a16="http://schemas.microsoft.com/office/drawing/2014/main" id="{2719C967-5361-4EEC-B4B0-D691C70A1910}"/>
               </a:ext>
             </a:extLst>
           </p:cNvPr>
@@ -1162,8 +1188,12 @@
               </a:rPr>
               <a:t>Ph.D. Student in Informatics</a:t>
             </a:r>
-          </a:p>
-          <a:p>
+            <a:br>
+              <a:rPr kumimoji="1" lang="en-US" altLang="ja-JP" sz="600" dirty="0">
+                <a:latin typeface="Hiragino Kaku Gothic Pro W3" panose="020B0300000000000000" pitchFamily="34" charset="-128"/>
+                <a:ea typeface="Hiragino Kaku Gothic Pro W3" panose="020B0300000000000000" pitchFamily="34" charset="-128"/>
+              </a:rPr>
+            </a:br>
             <a:r>
               <a:rPr kumimoji="1" lang="en-US" altLang="ja-JP" sz="600" dirty="0">
                 <a:latin typeface="Hiragino Kaku Gothic Pro W3" panose="020B0300000000000000" pitchFamily="34" charset="-128"/>
